--- a/SQL/02_February_20_Materials/01-SQL-Server-Intro.pptx
+++ b/SQL/02_February_20_Materials/01-SQL-Server-Intro.pptx
@@ -375,7 +375,7 @@
           <a:p>
             <a:fld id="{9184DA70-C731-4C70-880D-CCD4705E623C}" type="datetime1">
               <a:rPr lang="en-US" smtClean="0"/>
-              <a:t>2/18/2020</a:t>
+              <a:t>2/19/2020</a:t>
             </a:fld>
             <a:endParaRPr lang="en-US" dirty="0"/>
           </a:p>
@@ -563,7 +563,7 @@
           <a:p>
             <a:fld id="{B612A279-0833-481D-8C56-F67FD0AC6C50}" type="datetime1">
               <a:rPr lang="en-US" smtClean="0"/>
-              <a:t>2/18/2020</a:t>
+              <a:t>2/19/2020</a:t>
             </a:fld>
             <a:endParaRPr lang="en-US" dirty="0"/>
           </a:p>
@@ -805,7 +805,7 @@
           <a:p>
             <a:fld id="{6587DA83-5663-4C9C-B9AA-0B40A3DAFF81}" type="datetime1">
               <a:rPr lang="en-US" smtClean="0"/>
-              <a:t>2/18/2020</a:t>
+              <a:t>2/19/2020</a:t>
             </a:fld>
             <a:endParaRPr lang="en-US" dirty="0"/>
           </a:p>
@@ -993,7 +993,7 @@
           <a:p>
             <a:fld id="{4BE1D723-8F53-4F53-90B0-1982A396982E}" type="datetime1">
               <a:rPr lang="en-US" smtClean="0"/>
-              <a:t>2/18/2020</a:t>
+              <a:t>2/19/2020</a:t>
             </a:fld>
             <a:endParaRPr lang="en-US" dirty="0"/>
           </a:p>
@@ -1366,7 +1366,7 @@
           <a:p>
             <a:fld id="{97669AF7-7BEB-44E4-9852-375E34362B5B}" type="datetime1">
               <a:rPr lang="en-US" smtClean="0"/>
-              <a:t>2/18/2020</a:t>
+              <a:t>2/19/2020</a:t>
             </a:fld>
             <a:endParaRPr lang="en-US" dirty="0"/>
           </a:p>
@@ -1621,7 +1621,7 @@
           <a:p>
             <a:fld id="{BAAAC38D-0552-4C82-B593-E6124DFADBE2}" type="datetime1">
               <a:rPr lang="en-US" smtClean="0"/>
-              <a:t>2/18/2020</a:t>
+              <a:t>2/19/2020</a:t>
             </a:fld>
             <a:endParaRPr lang="en-US" dirty="0"/>
           </a:p>
@@ -2018,7 +2018,7 @@
           <a:p>
             <a:fld id="{D9DF0F1C-5577-4ACB-BB62-DF8F3C494C7E}" type="datetime1">
               <a:rPr lang="en-US" smtClean="0"/>
-              <a:t>2/18/2020</a:t>
+              <a:t>2/19/2020</a:t>
             </a:fld>
             <a:endParaRPr lang="en-US" dirty="0"/>
           </a:p>
@@ -2154,7 +2154,7 @@
           <a:p>
             <a:fld id="{1775B394-D9F9-4F0C-B15D-605F45CB9E9F}" type="datetime1">
               <a:rPr lang="en-US" smtClean="0"/>
-              <a:t>2/18/2020</a:t>
+              <a:t>2/19/2020</a:t>
             </a:fld>
             <a:endParaRPr lang="en-US" dirty="0"/>
           </a:p>
@@ -2311,7 +2311,7 @@
           <a:p>
             <a:fld id="{39667345-2558-425A-8533-9BFDBCE15005}" type="datetime1">
               <a:rPr lang="en-US" smtClean="0"/>
-              <a:t>2/18/2020</a:t>
+              <a:t>2/19/2020</a:t>
             </a:fld>
             <a:endParaRPr lang="en-US" dirty="0"/>
           </a:p>
@@ -2640,7 +2640,7 @@
           <a:p>
             <a:fld id="{92BEA474-078D-4E9B-9B14-09A87B19DC46}" type="datetime1">
               <a:rPr lang="en-US" smtClean="0"/>
-              <a:t>2/18/2020</a:t>
+              <a:t>2/19/2020</a:t>
             </a:fld>
             <a:endParaRPr lang="en-US" dirty="0"/>
           </a:p>
@@ -2990,7 +2990,7 @@
           <a:p>
             <a:fld id="{4907D986-8816-4272-A432-0437A28A9828}" type="datetime1">
               <a:rPr lang="en-US" smtClean="0"/>
-              <a:t>2/18/2020</a:t>
+              <a:t>2/19/2020</a:t>
             </a:fld>
             <a:endParaRPr lang="en-US" dirty="0"/>
           </a:p>
@@ -3251,7 +3251,7 @@
           <a:p>
             <a:fld id="{62D6E202-B606-4609-B914-27C9371A1F6D}" type="datetime1">
               <a:rPr lang="en-US" smtClean="0"/>
-              <a:t>2/18/2020</a:t>
+              <a:t>2/19/2020</a:t>
             </a:fld>
             <a:endParaRPr lang="en-US" dirty="0"/>
           </a:p>
@@ -3921,7 +3921,7 @@
                   </a:schemeClr>
                 </a:solidFill>
               </a:rPr>
-              <a:t>February 27</a:t>
+              <a:t>February 20</a:t>
             </a:r>
             <a:r>
               <a:rPr lang="en-US" sz="2400" baseline="30000" dirty="0">
